--- a/Подготовка к практическим работам.pptx
+++ b/Подготовка к практическим работам.pptx
@@ -35,6 +35,8 @@
     <p:sldId id="288" r:id="rId29"/>
     <p:sldId id="289" r:id="rId30"/>
     <p:sldId id="290" r:id="rId31"/>
+    <p:sldId id="292" r:id="rId32"/>
+    <p:sldId id="291" r:id="rId33"/>
   </p:sldIdLst>
   <p:sldSz cx="12192000" cy="6858000"/>
   <p:notesSz cx="6858000" cy="9144000"/>
@@ -133,6 +135,11 @@
       </a:defRPr>
     </a:lvl9pPr>
   </p:defaultTextStyle>
+  <p:extLst>
+    <p:ext uri="{EFAFB233-063F-42B5-8137-9DF3F51BA10A}">
+      <p15:sldGuideLst xmlns:p15="http://schemas.microsoft.com/office/powerpoint/2012/main"/>
+    </p:ext>
+  </p:extLst>
 </p:presentation>
 </file>
 
@@ -353,7 +360,7 @@
           <a:p>
             <a:fld id="{9AB3A824-1A51-4B26-AD58-A6D8E14F6C04}" type="datetimeFigureOut">
               <a:rPr lang="en-US" dirty="0"/>
-              <a:t>10/26/2019</a:t>
+              <a:t>10/27/2019</a:t>
             </a:fld>
             <a:endParaRPr lang="en-US" dirty="0"/>
           </a:p>
@@ -797,7 +804,7 @@
           <a:p>
             <a:fld id="{B16C4C9A-3960-41CF-A4E9-2A8FB932454B}" type="datetimeFigureOut">
               <a:rPr lang="en-US" dirty="0"/>
-              <a:t>10/26/2019</a:t>
+              <a:t>10/27/2019</a:t>
             </a:fld>
             <a:endParaRPr lang="en-US" dirty="0"/>
           </a:p>
@@ -1090,7 +1097,7 @@
           <a:p>
             <a:fld id="{D857E33E-8B18-4087-B112-809917729534}" type="datetimeFigureOut">
               <a:rPr lang="en-US" dirty="0"/>
-              <a:t>10/26/2019</a:t>
+              <a:t>10/27/2019</a:t>
             </a:fld>
             <a:endParaRPr lang="en-US" dirty="0"/>
           </a:p>
@@ -1392,7 +1399,7 @@
           <a:p>
             <a:fld id="{D3FFE419-2371-464F-8239-3959401C3561}" type="datetimeFigureOut">
               <a:rPr lang="en-US" dirty="0"/>
-              <a:t>10/26/2019</a:t>
+              <a:t>10/27/2019</a:t>
             </a:fld>
             <a:endParaRPr lang="en-US" dirty="0"/>
           </a:p>
@@ -1639,7 +1646,7 @@
           <a:p>
             <a:fld id="{97D162C4-EDD9-4389-A98B-B87ECEA2A816}" type="datetimeFigureOut">
               <a:rPr lang="en-US" dirty="0"/>
-              <a:t>10/26/2019</a:t>
+              <a:t>10/27/2019</a:t>
             </a:fld>
             <a:endParaRPr lang="en-US" dirty="0"/>
           </a:p>
@@ -1932,7 +1939,7 @@
           <a:p>
             <a:fld id="{97D162C4-EDD9-4389-A98B-B87ECEA2A816}" type="datetimeFigureOut">
               <a:rPr lang="en-US" dirty="0"/>
-              <a:t>10/26/2019</a:t>
+              <a:t>10/27/2019</a:t>
             </a:fld>
             <a:endParaRPr lang="en-US" dirty="0"/>
           </a:p>
@@ -2407,7 +2414,7 @@
           <a:p>
             <a:fld id="{3E5059C3-6A89-4494-99FF-5A4D6FFD50EB}" type="datetimeFigureOut">
               <a:rPr lang="en-US" dirty="0"/>
-              <a:t>10/26/2019</a:t>
+              <a:t>10/27/2019</a:t>
             </a:fld>
             <a:endParaRPr lang="en-US" dirty="0"/>
           </a:p>
@@ -2721,7 +2728,7 @@
           <a:p>
             <a:fld id="{CA954B2F-12DE-47F5-8894-472B206D2E1E}" type="datetimeFigureOut">
               <a:rPr lang="en-US" dirty="0"/>
-              <a:t>10/26/2019</a:t>
+              <a:t>10/27/2019</a:t>
             </a:fld>
             <a:endParaRPr lang="en-US" dirty="0"/>
           </a:p>
@@ -3265,7 +3272,7 @@
           <a:p>
             <a:fld id="{3F30E46F-7819-4ACF-B48B-48222C2ACC88}" type="datetimeFigureOut">
               <a:rPr lang="en-US" dirty="0"/>
-              <a:t>10/26/2019</a:t>
+              <a:t>10/27/2019</a:t>
             </a:fld>
             <a:endParaRPr lang="en-US" dirty="0"/>
           </a:p>
@@ -3460,7 +3467,7 @@
           <a:p>
             <a:fld id="{1FAF3416-4057-4DAA-829D-4CA07428D088}" type="datetimeFigureOut">
               <a:rPr lang="en-US" dirty="0"/>
-              <a:t>10/26/2019</a:t>
+              <a:t>10/27/2019</a:t>
             </a:fld>
             <a:endParaRPr lang="en-US" dirty="0"/>
           </a:p>
@@ -3673,7 +3680,7 @@
           <a:p>
             <a:fld id="{921D9284-D300-4297-87F7-E791DCC15DB1}" type="datetimeFigureOut">
               <a:rPr lang="en-US" dirty="0"/>
-              <a:t>10/26/2019</a:t>
+              <a:t>10/27/2019</a:t>
             </a:fld>
             <a:endParaRPr lang="en-US" dirty="0"/>
           </a:p>
@@ -4042,7 +4049,7 @@
           <a:p>
             <a:fld id="{37D525BB-DA17-4BA0-B3C8-3AC3ABC827E6}" type="datetimeFigureOut">
               <a:rPr lang="en-US" dirty="0"/>
-              <a:t>10/26/2019</a:t>
+              <a:t>10/27/2019</a:t>
             </a:fld>
             <a:endParaRPr lang="en-US" dirty="0"/>
           </a:p>
@@ -4362,7 +4369,7 @@
           <a:p>
             <a:fld id="{3CBC1C18-307B-4F68-A007-B5B542270E8D}" type="datetimeFigureOut">
               <a:rPr lang="en-US" dirty="0"/>
-              <a:t>10/26/2019</a:t>
+              <a:t>10/27/2019</a:t>
             </a:fld>
             <a:endParaRPr lang="en-US" dirty="0"/>
           </a:p>
@@ -7276,6 +7283,10 @@
           </p:nvPr>
         </p:nvSpPr>
         <p:spPr bwMode="auto">
+          <a:xfrm>
+            <a:off x="1042598" y="1135934"/>
+            <a:ext cx="10188994" cy="5293757"/>
+          </a:xfrm>
           <a:prstGeom prst="rect">
             <a:avLst/>
           </a:prstGeom>
@@ -7309,7 +7320,7 @@
           </a:extLst>
         </p:spPr>
         <p:txBody>
-          <a:bodyPr vert="horz" wrap="none" lIns="91440" tIns="45720" rIns="91440" bIns="45720" numCol="1" anchor="ctr" anchorCtr="0" compatLnSpc="1">
+          <a:bodyPr vert="horz" wrap="square" lIns="91440" tIns="45720" rIns="91440" bIns="45720" numCol="1" anchor="ctr" anchorCtr="0" compatLnSpc="1">
             <a:prstTxWarp prst="textNoShape">
               <a:avLst/>
             </a:prstTxWarp>
@@ -9276,6 +9287,35 @@
               </a:rPr>
               <a:t>()</a:t>
             </a:r>
+            <a:endParaRPr kumimoji="0" lang="en-US" altLang="ru-RU" sz="1000" b="0" i="0" u="none" strike="noStrike" cap="none" normalizeH="0" baseline="0" dirty="0">
+              <a:ln>
+                <a:noFill/>
+              </a:ln>
+              <a:solidFill>
+                <a:srgbClr val="000000"/>
+              </a:solidFill>
+              <a:effectLst/>
+              <a:latin typeface="Consolas" panose="020B0609020204030204" pitchFamily="49" charset="0"/>
+              <a:cs typeface="Consolas" panose="020B0609020204030204" pitchFamily="49" charset="0"/>
+            </a:endParaRPr>
+          </a:p>
+          <a:p>
+            <a:pPr marL="0" marR="0" lvl="0" indent="0" algn="l" defTabSz="914400" rtl="0" eaLnBrk="0" fontAlgn="base" latinLnBrk="0" hangingPunct="0">
+              <a:lnSpc>
+                <a:spcPct val="100000"/>
+              </a:lnSpc>
+              <a:spcBef>
+                <a:spcPct val="0"/>
+              </a:spcBef>
+              <a:spcAft>
+                <a:spcPct val="0"/>
+              </a:spcAft>
+              <a:buClrTx/>
+              <a:buSzTx/>
+              <a:buFontTx/>
+              <a:buNone/>
+              <a:tabLst/>
+            </a:pPr>
             <a:endParaRPr kumimoji="0" lang="ru-RU" altLang="ru-RU" sz="1800" b="0" i="0" u="none" strike="noStrike" cap="none" normalizeH="0" baseline="0" dirty="0">
               <a:ln>
                 <a:noFill/>
@@ -9711,6 +9751,202 @@
     <p:extLst>
       <p:ext uri="{BB962C8B-B14F-4D97-AF65-F5344CB8AC3E}">
         <p14:creationId xmlns:p14="http://schemas.microsoft.com/office/powerpoint/2010/main" val="3516447627"/>
+      </p:ext>
+    </p:extLst>
+  </p:cSld>
+  <p:clrMapOvr>
+    <a:masterClrMapping/>
+  </p:clrMapOvr>
+</p:sld>
+</file>
+
+<file path=ppt/slides/slide31.xml><?xml version="1.0" encoding="utf-8"?>
+<p:sld xmlns:a="http://schemas.openxmlformats.org/drawingml/2006/main" xmlns:r="http://schemas.openxmlformats.org/officeDocument/2006/relationships" xmlns:p="http://schemas.openxmlformats.org/presentationml/2006/main">
+  <p:cSld>
+    <p:spTree>
+      <p:nvGrpSpPr>
+        <p:cNvPr id="1" name=""/>
+        <p:cNvGrpSpPr/>
+        <p:nvPr/>
+      </p:nvGrpSpPr>
+      <p:grpSpPr>
+        <a:xfrm>
+          <a:off x="0" y="0"/>
+          <a:ext cx="0" cy="0"/>
+          <a:chOff x="0" y="0"/>
+          <a:chExt cx="0" cy="0"/>
+        </a:xfrm>
+      </p:grpSpPr>
+      <p:sp>
+        <p:nvSpPr>
+          <p:cNvPr id="2" name="Заголовок 1">
+            <a:extLst>
+              <a:ext uri="{FF2B5EF4-FFF2-40B4-BE49-F238E27FC236}">
+                <a16:creationId xmlns:a16="http://schemas.microsoft.com/office/drawing/2014/main" id="{C3DF51E6-63C1-4EDE-8C3C-7A010072F276}"/>
+              </a:ext>
+            </a:extLst>
+          </p:cNvPr>
+          <p:cNvSpPr>
+            <a:spLocks noGrp="1"/>
+          </p:cNvSpPr>
+          <p:nvPr>
+            <p:ph type="title"/>
+          </p:nvPr>
+        </p:nvSpPr>
+        <p:spPr/>
+        <p:txBody>
+          <a:bodyPr/>
+          <a:lstStyle/>
+          <a:p>
+            <a:r>
+              <a:rPr lang="ru-RU" dirty="0"/>
+              <a:t>Результаты</a:t>
+            </a:r>
+          </a:p>
+        </p:txBody>
+      </p:sp>
+      <p:pic>
+        <p:nvPicPr>
+          <p:cNvPr id="5" name="Snagit_SNG84E">
+            <a:extLst>
+              <a:ext uri="{FF2B5EF4-FFF2-40B4-BE49-F238E27FC236}">
+                <a16:creationId xmlns:a16="http://schemas.microsoft.com/office/drawing/2014/main" id="{0CB7FFB8-14D8-46E2-B664-CF6497FEC828}"/>
+              </a:ext>
+            </a:extLst>
+          </p:cNvPr>
+          <p:cNvPicPr>
+            <a:picLocks noGrp="1" noChangeAspect="1"/>
+          </p:cNvPicPr>
+          <p:nvPr>
+            <p:ph idx="1"/>
+          </p:nvPr>
+        </p:nvPicPr>
+        <p:blipFill>
+          <a:blip r:embed="rId2"/>
+          <a:stretch>
+            <a:fillRect/>
+          </a:stretch>
+        </p:blipFill>
+        <p:spPr>
+          <a:xfrm>
+            <a:off x="1042988" y="1531453"/>
+            <a:ext cx="10958512" cy="4503119"/>
+          </a:xfrm>
+        </p:spPr>
+      </p:pic>
+    </p:spTree>
+    <p:extLst>
+      <p:ext uri="{BB962C8B-B14F-4D97-AF65-F5344CB8AC3E}">
+        <p14:creationId xmlns:p14="http://schemas.microsoft.com/office/powerpoint/2010/main" val="2295993407"/>
+      </p:ext>
+    </p:extLst>
+  </p:cSld>
+  <p:clrMapOvr>
+    <a:masterClrMapping/>
+  </p:clrMapOvr>
+</p:sld>
+</file>
+
+<file path=ppt/slides/slide32.xml><?xml version="1.0" encoding="utf-8"?>
+<p:sld xmlns:a="http://schemas.openxmlformats.org/drawingml/2006/main" xmlns:r="http://schemas.openxmlformats.org/officeDocument/2006/relationships" xmlns:p="http://schemas.openxmlformats.org/presentationml/2006/main">
+  <p:cSld>
+    <p:spTree>
+      <p:nvGrpSpPr>
+        <p:cNvPr id="1" name=""/>
+        <p:cNvGrpSpPr/>
+        <p:nvPr/>
+      </p:nvGrpSpPr>
+      <p:grpSpPr>
+        <a:xfrm>
+          <a:off x="0" y="0"/>
+          <a:ext cx="0" cy="0"/>
+          <a:chOff x="0" y="0"/>
+          <a:chExt cx="0" cy="0"/>
+        </a:xfrm>
+      </p:grpSpPr>
+      <p:sp>
+        <p:nvSpPr>
+          <p:cNvPr id="2" name="Заголовок 1">
+            <a:extLst>
+              <a:ext uri="{FF2B5EF4-FFF2-40B4-BE49-F238E27FC236}">
+                <a16:creationId xmlns:a16="http://schemas.microsoft.com/office/drawing/2014/main" id="{EF99D9E1-ACC7-444D-B361-607951C6458F}"/>
+              </a:ext>
+            </a:extLst>
+          </p:cNvPr>
+          <p:cNvSpPr>
+            <a:spLocks noGrp="1"/>
+          </p:cNvSpPr>
+          <p:nvPr>
+            <p:ph type="title"/>
+          </p:nvPr>
+        </p:nvSpPr>
+        <p:spPr/>
+        <p:txBody>
+          <a:bodyPr/>
+          <a:lstStyle/>
+          <a:p>
+            <a:r>
+              <a:rPr lang="ru-RU" dirty="0"/>
+              <a:t>Результаты </a:t>
+            </a:r>
+          </a:p>
+        </p:txBody>
+      </p:sp>
+      <p:sp>
+        <p:nvSpPr>
+          <p:cNvPr id="3" name="Объект 2">
+            <a:extLst>
+              <a:ext uri="{FF2B5EF4-FFF2-40B4-BE49-F238E27FC236}">
+                <a16:creationId xmlns:a16="http://schemas.microsoft.com/office/drawing/2014/main" id="{BBCF83E6-61C0-4E75-8198-54E181B2CA0C}"/>
+              </a:ext>
+            </a:extLst>
+          </p:cNvPr>
+          <p:cNvSpPr>
+            <a:spLocks noGrp="1"/>
+          </p:cNvSpPr>
+          <p:nvPr>
+            <p:ph idx="1"/>
+          </p:nvPr>
+        </p:nvSpPr>
+        <p:spPr/>
+        <p:txBody>
+          <a:bodyPr/>
+          <a:lstStyle/>
+          <a:p>
+            <a:r>
+              <a:rPr lang="ru-RU" dirty="0"/>
+              <a:t>1 – строка с выполняемым файлом</a:t>
+            </a:r>
+          </a:p>
+          <a:p>
+            <a:r>
+              <a:rPr lang="ru-RU" dirty="0"/>
+              <a:t>2 – вывод списка доступных стилей оформления графиков</a:t>
+            </a:r>
+          </a:p>
+          <a:p>
+            <a:r>
+              <a:rPr lang="ru-RU" dirty="0"/>
+              <a:t>3 – распечатка фрейма с данными (см. далее)</a:t>
+            </a:r>
+          </a:p>
+          <a:p>
+            <a:r>
+              <a:rPr lang="ru-RU" dirty="0"/>
+              <a:t>4 – график (в примере – </a:t>
+            </a:r>
+            <a:r>
+              <a:rPr lang="ru-RU"/>
+              <a:t>отдельное окно)</a:t>
+            </a:r>
+            <a:endParaRPr lang="ru-RU" dirty="0"/>
+          </a:p>
+        </p:txBody>
+      </p:sp>
+    </p:spTree>
+    <p:extLst>
+      <p:ext uri="{BB962C8B-B14F-4D97-AF65-F5344CB8AC3E}">
+        <p14:creationId xmlns:p14="http://schemas.microsoft.com/office/powerpoint/2010/main" val="638713592"/>
       </p:ext>
     </p:extLst>
   </p:cSld>

--- a/Подготовка к практическим работам.pptx
+++ b/Подготовка к практическим работам.pptx
@@ -37,6 +37,10 @@
     <p:sldId id="290" r:id="rId31"/>
     <p:sldId id="292" r:id="rId32"/>
     <p:sldId id="291" r:id="rId33"/>
+    <p:sldId id="293" r:id="rId34"/>
+    <p:sldId id="294" r:id="rId35"/>
+    <p:sldId id="296" r:id="rId36"/>
+    <p:sldId id="295" r:id="rId37"/>
   </p:sldIdLst>
   <p:sldSz cx="12192000" cy="6858000"/>
   <p:notesSz cx="6858000" cy="9144000"/>
@@ -9933,13 +9937,8 @@
           <a:p>
             <a:r>
               <a:rPr lang="ru-RU" dirty="0"/>
-              <a:t>4 – график (в примере – </a:t>
-            </a:r>
-            <a:r>
-              <a:rPr lang="ru-RU"/>
-              <a:t>отдельное окно)</a:t>
-            </a:r>
-            <a:endParaRPr lang="ru-RU" dirty="0"/>
+              <a:t>4 – график (в примере – отдельное окно)</a:t>
+            </a:r>
           </a:p>
         </p:txBody>
       </p:sp>
@@ -9947,6 +9946,834 @@
     <p:extLst>
       <p:ext uri="{BB962C8B-B14F-4D97-AF65-F5344CB8AC3E}">
         <p14:creationId xmlns:p14="http://schemas.microsoft.com/office/powerpoint/2010/main" val="638713592"/>
+      </p:ext>
+    </p:extLst>
+  </p:cSld>
+  <p:clrMapOvr>
+    <a:masterClrMapping/>
+  </p:clrMapOvr>
+</p:sld>
+</file>
+
+<file path=ppt/slides/slide33.xml><?xml version="1.0" encoding="utf-8"?>
+<p:sld xmlns:a="http://schemas.openxmlformats.org/drawingml/2006/main" xmlns:r="http://schemas.openxmlformats.org/officeDocument/2006/relationships" xmlns:p="http://schemas.openxmlformats.org/presentationml/2006/main">
+  <p:cSld>
+    <p:spTree>
+      <p:nvGrpSpPr>
+        <p:cNvPr id="1" name=""/>
+        <p:cNvGrpSpPr/>
+        <p:nvPr/>
+      </p:nvGrpSpPr>
+      <p:grpSpPr>
+        <a:xfrm>
+          <a:off x="0" y="0"/>
+          <a:ext cx="0" cy="0"/>
+          <a:chOff x="0" y="0"/>
+          <a:chExt cx="0" cy="0"/>
+        </a:xfrm>
+      </p:grpSpPr>
+      <p:sp>
+        <p:nvSpPr>
+          <p:cNvPr id="4" name="Заголовок 3">
+            <a:extLst>
+              <a:ext uri="{FF2B5EF4-FFF2-40B4-BE49-F238E27FC236}">
+                <a16:creationId xmlns:a16="http://schemas.microsoft.com/office/drawing/2014/main" id="{18A9C440-44CA-484B-B74A-063384EFC3B1}"/>
+              </a:ext>
+            </a:extLst>
+          </p:cNvPr>
+          <p:cNvSpPr>
+            <a:spLocks noGrp="1"/>
+          </p:cNvSpPr>
+          <p:nvPr>
+            <p:ph type="title"/>
+          </p:nvPr>
+        </p:nvSpPr>
+        <p:spPr/>
+        <p:txBody>
+          <a:bodyPr/>
+          <a:lstStyle/>
+          <a:p>
+            <a:r>
+              <a:rPr lang="ru-RU" dirty="0"/>
+              <a:t>Заготовки к последующим работам</a:t>
+            </a:r>
+          </a:p>
+        </p:txBody>
+      </p:sp>
+      <p:sp>
+        <p:nvSpPr>
+          <p:cNvPr id="5" name="Текст 4">
+            <a:extLst>
+              <a:ext uri="{FF2B5EF4-FFF2-40B4-BE49-F238E27FC236}">
+                <a16:creationId xmlns:a16="http://schemas.microsoft.com/office/drawing/2014/main" id="{CD366F20-270A-4766-8E20-BF0EDFAF1BF8}"/>
+              </a:ext>
+            </a:extLst>
+          </p:cNvPr>
+          <p:cNvSpPr>
+            <a:spLocks noGrp="1"/>
+          </p:cNvSpPr>
+          <p:nvPr>
+            <p:ph type="body" idx="1"/>
+          </p:nvPr>
+        </p:nvSpPr>
+        <p:spPr/>
+        <p:txBody>
+          <a:bodyPr/>
+          <a:lstStyle/>
+          <a:p>
+            <a:endParaRPr lang="ru-RU"/>
+          </a:p>
+        </p:txBody>
+      </p:sp>
+    </p:spTree>
+    <p:extLst>
+      <p:ext uri="{BB962C8B-B14F-4D97-AF65-F5344CB8AC3E}">
+        <p14:creationId xmlns:p14="http://schemas.microsoft.com/office/powerpoint/2010/main" val="1764934362"/>
+      </p:ext>
+    </p:extLst>
+  </p:cSld>
+  <p:clrMapOvr>
+    <a:masterClrMapping/>
+  </p:clrMapOvr>
+</p:sld>
+</file>
+
+<file path=ppt/slides/slide34.xml><?xml version="1.0" encoding="utf-8"?>
+<p:sld xmlns:a="http://schemas.openxmlformats.org/drawingml/2006/main" xmlns:r="http://schemas.openxmlformats.org/officeDocument/2006/relationships" xmlns:p="http://schemas.openxmlformats.org/presentationml/2006/main">
+  <p:cSld>
+    <p:spTree>
+      <p:nvGrpSpPr>
+        <p:cNvPr id="1" name=""/>
+        <p:cNvGrpSpPr/>
+        <p:nvPr/>
+      </p:nvGrpSpPr>
+      <p:grpSpPr>
+        <a:xfrm>
+          <a:off x="0" y="0"/>
+          <a:ext cx="0" cy="0"/>
+          <a:chOff x="0" y="0"/>
+          <a:chExt cx="0" cy="0"/>
+        </a:xfrm>
+      </p:grpSpPr>
+      <p:sp>
+        <p:nvSpPr>
+          <p:cNvPr id="4" name="Заголовок 3">
+            <a:extLst>
+              <a:ext uri="{FF2B5EF4-FFF2-40B4-BE49-F238E27FC236}">
+                <a16:creationId xmlns:a16="http://schemas.microsoft.com/office/drawing/2014/main" id="{A2F58448-D967-4F85-BB8C-3D60C72534E7}"/>
+              </a:ext>
+            </a:extLst>
+          </p:cNvPr>
+          <p:cNvSpPr>
+            <a:spLocks noGrp="1"/>
+          </p:cNvSpPr>
+          <p:nvPr>
+            <p:ph type="title"/>
+          </p:nvPr>
+        </p:nvSpPr>
+        <p:spPr/>
+        <p:txBody>
+          <a:bodyPr/>
+          <a:lstStyle/>
+          <a:p>
+            <a:endParaRPr lang="ru-RU"/>
+          </a:p>
+        </p:txBody>
+      </p:sp>
+      <p:sp>
+        <p:nvSpPr>
+          <p:cNvPr id="5" name="Объект 4">
+            <a:extLst>
+              <a:ext uri="{FF2B5EF4-FFF2-40B4-BE49-F238E27FC236}">
+                <a16:creationId xmlns:a16="http://schemas.microsoft.com/office/drawing/2014/main" id="{42133CAB-AEE2-41D3-8F5D-C3CB646384DA}"/>
+              </a:ext>
+            </a:extLst>
+          </p:cNvPr>
+          <p:cNvSpPr>
+            <a:spLocks noGrp="1"/>
+          </p:cNvSpPr>
+          <p:nvPr>
+            <p:ph idx="1"/>
+          </p:nvPr>
+        </p:nvSpPr>
+        <p:spPr>
+          <a:xfrm>
+            <a:off x="179957" y="1394989"/>
+            <a:ext cx="6729802" cy="5046145"/>
+          </a:xfrm>
+        </p:spPr>
+        <p:txBody>
+          <a:bodyPr>
+            <a:normAutofit fontScale="92500"/>
+          </a:bodyPr>
+          <a:lstStyle/>
+          <a:p>
+            <a:pPr marL="457200" indent="-457200">
+              <a:buFont typeface="+mj-lt"/>
+              <a:buAutoNum type="arabicPeriod"/>
+            </a:pPr>
+            <a:r>
+              <a:rPr lang="ru-RU" dirty="0"/>
+              <a:t>Вы создали окружение, которое можно использовать в последующих проектах</a:t>
+            </a:r>
+          </a:p>
+          <a:p>
+            <a:pPr marL="457200" indent="-457200">
+              <a:buFont typeface="+mj-lt"/>
+              <a:buAutoNum type="arabicPeriod"/>
+            </a:pPr>
+            <a:r>
+              <a:rPr lang="ru-RU" dirty="0"/>
+              <a:t>Вы можете развивать текущий проект дальше, создавая новые файлы с программами и библиотеками</a:t>
+            </a:r>
+          </a:p>
+          <a:p>
+            <a:pPr marL="457200" indent="-457200">
+              <a:buFont typeface="+mj-lt"/>
+              <a:buAutoNum type="arabicPeriod"/>
+            </a:pPr>
+            <a:r>
+              <a:rPr lang="ru-RU" dirty="0"/>
+              <a:t>Откройте файл </a:t>
+            </a:r>
+            <a:r>
+              <a:rPr lang="en-US" dirty="0"/>
+              <a:t>test2 (</a:t>
+            </a:r>
+            <a:r>
+              <a:rPr lang="ru-RU" dirty="0"/>
+              <a:t>или скачайте его последнюю версию из репозитория)</a:t>
+            </a:r>
+          </a:p>
+          <a:p>
+            <a:pPr marL="908050" lvl="1" indent="-457200">
+              <a:buFont typeface="+mj-lt"/>
+              <a:buAutoNum type="arabicPeriod"/>
+            </a:pPr>
+            <a:r>
+              <a:rPr lang="ru-RU" dirty="0"/>
+              <a:t>Этот файл содержит типичный заголовок, в котором подключены модули для анализа данных</a:t>
+            </a:r>
+          </a:p>
+          <a:p>
+            <a:pPr marL="908050" lvl="1" indent="-457200">
+              <a:buFont typeface="+mj-lt"/>
+              <a:buAutoNum type="arabicPeriod"/>
+            </a:pPr>
+            <a:r>
+              <a:rPr lang="ru-RU" dirty="0"/>
+              <a:t>Сохраните его как шаблон для последующего старта</a:t>
+            </a:r>
+            <a:endParaRPr lang="en-US" dirty="0"/>
+          </a:p>
+          <a:p>
+            <a:pPr marL="908050" lvl="1" indent="-457200">
+              <a:buFont typeface="+mj-lt"/>
+              <a:buAutoNum type="arabicPeriod"/>
+            </a:pPr>
+            <a:r>
+              <a:rPr lang="ru-RU" dirty="0"/>
+              <a:t>Теперь вы можете выбирать </a:t>
+            </a:r>
+            <a:r>
+              <a:rPr lang="en-US" dirty="0"/>
+              <a:t>test3 </a:t>
+            </a:r>
+            <a:r>
+              <a:rPr lang="ru-RU" dirty="0"/>
+              <a:t>из списка новых фалов</a:t>
+            </a:r>
+          </a:p>
+        </p:txBody>
+      </p:sp>
+      <p:pic>
+        <p:nvPicPr>
+          <p:cNvPr id="1026" name="Picture 2">
+            <a:extLst>
+              <a:ext uri="{FF2B5EF4-FFF2-40B4-BE49-F238E27FC236}">
+                <a16:creationId xmlns:a16="http://schemas.microsoft.com/office/drawing/2014/main" id="{EE035205-F044-49D4-985A-9A072B0FCBAA}"/>
+              </a:ext>
+            </a:extLst>
+          </p:cNvPr>
+          <p:cNvPicPr>
+            <a:picLocks noChangeAspect="1" noChangeArrowheads="1"/>
+          </p:cNvPicPr>
+          <p:nvPr/>
+        </p:nvPicPr>
+        <p:blipFill>
+          <a:blip r:embed="rId2">
+            <a:extLst>
+              <a:ext uri="{28A0092B-C50C-407E-A947-70E740481C1C}">
+                <a14:useLocalDpi xmlns:a14="http://schemas.microsoft.com/office/drawing/2010/main" val="0"/>
+              </a:ext>
+            </a:extLst>
+          </a:blip>
+          <a:srcRect/>
+          <a:stretch>
+            <a:fillRect/>
+          </a:stretch>
+        </p:blipFill>
+        <p:spPr bwMode="auto">
+          <a:xfrm>
+            <a:off x="6247861" y="164592"/>
+            <a:ext cx="5857875" cy="3067050"/>
+          </a:xfrm>
+          <a:prstGeom prst="rect">
+            <a:avLst/>
+          </a:prstGeom>
+          <a:ln>
+            <a:noFill/>
+          </a:ln>
+          <a:effectLst>
+            <a:outerShdw blurRad="190500" algn="tl" rotWithShape="0">
+              <a:srgbClr val="000000">
+                <a:alpha val="70000"/>
+              </a:srgbClr>
+            </a:outerShdw>
+          </a:effectLst>
+          <a:extLst>
+            <a:ext uri="{909E8E84-426E-40DD-AFC4-6F175D3DCCD1}">
+              <a14:hiddenFill xmlns:a14="http://schemas.microsoft.com/office/drawing/2010/main">
+                <a:solidFill>
+                  <a:srgbClr val="FFFFFF"/>
+                </a:solidFill>
+              </a14:hiddenFill>
+            </a:ext>
+          </a:extLst>
+        </p:spPr>
+      </p:pic>
+    </p:spTree>
+    <p:extLst>
+      <p:ext uri="{BB962C8B-B14F-4D97-AF65-F5344CB8AC3E}">
+        <p14:creationId xmlns:p14="http://schemas.microsoft.com/office/powerpoint/2010/main" val="3570023288"/>
+      </p:ext>
+    </p:extLst>
+  </p:cSld>
+  <p:clrMapOvr>
+    <a:masterClrMapping/>
+  </p:clrMapOvr>
+</p:sld>
+</file>
+
+<file path=ppt/slides/slide35.xml><?xml version="1.0" encoding="utf-8"?>
+<p:sld xmlns:a="http://schemas.openxmlformats.org/drawingml/2006/main" xmlns:r="http://schemas.openxmlformats.org/officeDocument/2006/relationships" xmlns:p="http://schemas.openxmlformats.org/presentationml/2006/main">
+  <p:cSld>
+    <p:spTree>
+      <p:nvGrpSpPr>
+        <p:cNvPr id="1" name=""/>
+        <p:cNvGrpSpPr/>
+        <p:nvPr/>
+      </p:nvGrpSpPr>
+      <p:grpSpPr>
+        <a:xfrm>
+          <a:off x="0" y="0"/>
+          <a:ext cx="0" cy="0"/>
+          <a:chOff x="0" y="0"/>
+          <a:chExt cx="0" cy="0"/>
+        </a:xfrm>
+      </p:grpSpPr>
+      <p:sp>
+        <p:nvSpPr>
+          <p:cNvPr id="4" name="Заголовок 3">
+            <a:extLst>
+              <a:ext uri="{FF2B5EF4-FFF2-40B4-BE49-F238E27FC236}">
+                <a16:creationId xmlns:a16="http://schemas.microsoft.com/office/drawing/2014/main" id="{59CA884E-2659-4FD3-9B78-F5E166F989DC}"/>
+              </a:ext>
+            </a:extLst>
+          </p:cNvPr>
+          <p:cNvSpPr>
+            <a:spLocks noGrp="1"/>
+          </p:cNvSpPr>
+          <p:nvPr>
+            <p:ph type="title"/>
+          </p:nvPr>
+        </p:nvSpPr>
+        <p:spPr/>
+        <p:txBody>
+          <a:bodyPr/>
+          <a:lstStyle/>
+          <a:p>
+            <a:r>
+              <a:rPr lang="ru-RU" dirty="0"/>
+              <a:t>Самостоятельная работа по теме</a:t>
+            </a:r>
+          </a:p>
+        </p:txBody>
+      </p:sp>
+      <p:sp>
+        <p:nvSpPr>
+          <p:cNvPr id="5" name="Текст 4">
+            <a:extLst>
+              <a:ext uri="{FF2B5EF4-FFF2-40B4-BE49-F238E27FC236}">
+                <a16:creationId xmlns:a16="http://schemas.microsoft.com/office/drawing/2014/main" id="{103BE9DA-8797-4C51-B9F3-7DFC80B3F19F}"/>
+              </a:ext>
+            </a:extLst>
+          </p:cNvPr>
+          <p:cNvSpPr>
+            <a:spLocks noGrp="1"/>
+          </p:cNvSpPr>
+          <p:nvPr>
+            <p:ph type="body" idx="1"/>
+          </p:nvPr>
+        </p:nvSpPr>
+        <p:spPr/>
+        <p:txBody>
+          <a:bodyPr/>
+          <a:lstStyle/>
+          <a:p>
+            <a:endParaRPr lang="ru-RU"/>
+          </a:p>
+        </p:txBody>
+      </p:sp>
+    </p:spTree>
+    <p:extLst>
+      <p:ext uri="{BB962C8B-B14F-4D97-AF65-F5344CB8AC3E}">
+        <p14:creationId xmlns:p14="http://schemas.microsoft.com/office/powerpoint/2010/main" val="1572502071"/>
+      </p:ext>
+    </p:extLst>
+  </p:cSld>
+  <p:clrMapOvr>
+    <a:masterClrMapping/>
+  </p:clrMapOvr>
+</p:sld>
+</file>
+
+<file path=ppt/slides/slide36.xml><?xml version="1.0" encoding="utf-8"?>
+<p:sld xmlns:a="http://schemas.openxmlformats.org/drawingml/2006/main" xmlns:r="http://schemas.openxmlformats.org/officeDocument/2006/relationships" xmlns:p="http://schemas.openxmlformats.org/presentationml/2006/main">
+  <p:cSld>
+    <p:spTree>
+      <p:nvGrpSpPr>
+        <p:cNvPr id="1" name=""/>
+        <p:cNvGrpSpPr/>
+        <p:nvPr/>
+      </p:nvGrpSpPr>
+      <p:grpSpPr>
+        <a:xfrm>
+          <a:off x="0" y="0"/>
+          <a:ext cx="0" cy="0"/>
+          <a:chOff x="0" y="0"/>
+          <a:chExt cx="0" cy="0"/>
+        </a:xfrm>
+      </p:grpSpPr>
+      <p:sp>
+        <p:nvSpPr>
+          <p:cNvPr id="2" name="Заголовок 1">
+            <a:extLst>
+              <a:ext uri="{FF2B5EF4-FFF2-40B4-BE49-F238E27FC236}">
+                <a16:creationId xmlns:a16="http://schemas.microsoft.com/office/drawing/2014/main" id="{596B2AD5-AC27-433D-A6C0-6045E055FA6D}"/>
+              </a:ext>
+            </a:extLst>
+          </p:cNvPr>
+          <p:cNvSpPr>
+            <a:spLocks noGrp="1"/>
+          </p:cNvSpPr>
+          <p:nvPr>
+            <p:ph type="title"/>
+          </p:nvPr>
+        </p:nvSpPr>
+        <p:spPr/>
+        <p:txBody>
+          <a:bodyPr/>
+          <a:lstStyle/>
+          <a:p>
+            <a:r>
+              <a:rPr lang="en-US" dirty="0"/>
+              <a:t>https://data.worldbank.org/</a:t>
+            </a:r>
+            <a:endParaRPr lang="ru-RU" dirty="0"/>
+          </a:p>
+        </p:txBody>
+      </p:sp>
+      <p:sp>
+        <p:nvSpPr>
+          <p:cNvPr id="3" name="Объект 2">
+            <a:extLst>
+              <a:ext uri="{FF2B5EF4-FFF2-40B4-BE49-F238E27FC236}">
+                <a16:creationId xmlns:a16="http://schemas.microsoft.com/office/drawing/2014/main" id="{82A66A85-3313-449D-966C-6F30FC550EEC}"/>
+              </a:ext>
+            </a:extLst>
+          </p:cNvPr>
+          <p:cNvSpPr>
+            <a:spLocks noGrp="1"/>
+          </p:cNvSpPr>
+          <p:nvPr>
+            <p:ph idx="1"/>
+          </p:nvPr>
+        </p:nvSpPr>
+        <p:spPr/>
+        <p:txBody>
+          <a:bodyPr/>
+          <a:lstStyle/>
+          <a:p>
+            <a:r>
+              <a:rPr lang="ru-RU" dirty="0"/>
+              <a:t>Мировой банк предоставляет открытый доступ к ряду экономических показателей</a:t>
+            </a:r>
+          </a:p>
+          <a:p>
+            <a:r>
+              <a:rPr lang="ru-RU" dirty="0"/>
+              <a:t>Для чтения данных из удаленных источников можно использовать модуль </a:t>
+            </a:r>
+            <a:endParaRPr lang="en-US" dirty="0"/>
+          </a:p>
+          <a:p>
+            <a:pPr lvl="1"/>
+            <a:r>
+              <a:rPr lang="en-US" dirty="0" err="1"/>
+              <a:t>Pandas_datareader</a:t>
+            </a:r>
+            <a:endParaRPr lang="en-US" dirty="0"/>
+          </a:p>
+          <a:p>
+            <a:r>
+              <a:rPr lang="ru-RU" dirty="0"/>
+              <a:t>Самостоятельно установите указанный модуль в окружение</a:t>
+            </a:r>
+          </a:p>
+          <a:p>
+            <a:r>
+              <a:rPr lang="ru-RU" dirty="0"/>
+              <a:t>Запустите программу </a:t>
+            </a:r>
+            <a:r>
+              <a:rPr lang="en-US" dirty="0"/>
+              <a:t>test3.py (</a:t>
+            </a:r>
+            <a:r>
+              <a:rPr lang="ru-RU" dirty="0"/>
+              <a:t>загрузите ее текст из репозитория)</a:t>
+            </a:r>
+          </a:p>
+          <a:p>
+            <a:r>
+              <a:rPr lang="ru-RU" dirty="0"/>
+              <a:t>Проверьте результаты</a:t>
+            </a:r>
+          </a:p>
+          <a:p>
+            <a:r>
+              <a:rPr lang="ru-RU" dirty="0"/>
+              <a:t>Время доступа к данным может </a:t>
+            </a:r>
+            <a:r>
+              <a:rPr lang="ru-RU"/>
+              <a:t>быть значительным (3-5 минут)</a:t>
+            </a:r>
+            <a:endParaRPr lang="ru-RU" dirty="0"/>
+          </a:p>
+        </p:txBody>
+      </p:sp>
+      <p:sp>
+        <p:nvSpPr>
+          <p:cNvPr id="4" name="Rectangle 1">
+            <a:extLst>
+              <a:ext uri="{FF2B5EF4-FFF2-40B4-BE49-F238E27FC236}">
+                <a16:creationId xmlns:a16="http://schemas.microsoft.com/office/drawing/2014/main" id="{7D90DBA2-5A35-4B28-83D3-E72223591043}"/>
+              </a:ext>
+            </a:extLst>
+          </p:cNvPr>
+          <p:cNvSpPr>
+            <a:spLocks noChangeArrowheads="1"/>
+          </p:cNvSpPr>
+          <p:nvPr/>
+        </p:nvSpPr>
+        <p:spPr bwMode="auto">
+          <a:xfrm>
+            <a:off x="0" y="0"/>
+            <a:ext cx="12192000" cy="457200"/>
+          </a:xfrm>
+          <a:prstGeom prst="rect">
+            <a:avLst/>
+          </a:prstGeom>
+          <a:solidFill>
+            <a:srgbClr val="FFFFFF"/>
+          </a:solidFill>
+          <a:ln>
+            <a:noFill/>
+          </a:ln>
+          <a:effectLst/>
+          <a:extLst>
+            <a:ext uri="{91240B29-F687-4F45-9708-019B960494DF}">
+              <a14:hiddenLine xmlns:a14="http://schemas.microsoft.com/office/drawing/2010/main" w="9525">
+                <a:solidFill>
+                  <a:schemeClr val="tx1"/>
+                </a:solidFill>
+                <a:miter lim="800000"/>
+                <a:headEnd/>
+                <a:tailEnd/>
+              </a14:hiddenLine>
+            </a:ext>
+            <a:ext uri="{AF507438-7753-43E0-B8FC-AC1667EBCBE1}">
+              <a14:hiddenEffects xmlns:a14="http://schemas.microsoft.com/office/drawing/2010/main">
+                <a:effectLst>
+                  <a:outerShdw dist="35921" dir="2700000" algn="ctr" rotWithShape="0">
+                    <a:schemeClr val="bg2"/>
+                  </a:outerShdw>
+                </a:effectLst>
+              </a14:hiddenEffects>
+            </a:ext>
+          </a:extLst>
+        </p:spPr>
+        <p:txBody>
+          <a:bodyPr vert="horz" wrap="none" lIns="91440" tIns="45720" rIns="91440" bIns="45720" numCol="1" anchor="ctr" anchorCtr="0" compatLnSpc="1">
+            <a:prstTxWarp prst="textNoShape">
+              <a:avLst/>
+            </a:prstTxWarp>
+            <a:spAutoFit/>
+          </a:bodyPr>
+          <a:lstStyle/>
+          <a:p>
+            <a:pPr marL="0" marR="0" lvl="0" indent="0" algn="l" defTabSz="914400" rtl="0" eaLnBrk="0" fontAlgn="base" latinLnBrk="0" hangingPunct="0">
+              <a:lnSpc>
+                <a:spcPct val="100000"/>
+              </a:lnSpc>
+              <a:spcBef>
+                <a:spcPct val="0"/>
+              </a:spcBef>
+              <a:spcAft>
+                <a:spcPct val="0"/>
+              </a:spcAft>
+              <a:buClrTx/>
+              <a:buSzTx/>
+              <a:buFontTx/>
+              <a:buNone/>
+              <a:tabLst/>
+            </a:pPr>
+            <a:r>
+              <a:rPr kumimoji="0" lang="ru-RU" altLang="ru-RU" sz="1000" b="0" i="0" u="none" strike="noStrike" cap="none" normalizeH="0" baseline="0">
+                <a:ln>
+                  <a:noFill/>
+                </a:ln>
+                <a:solidFill>
+                  <a:srgbClr val="000000"/>
+                </a:solidFill>
+                <a:effectLst/>
+                <a:latin typeface="Consolas" panose="020B0609020204030204" pitchFamily="49" charset="0"/>
+              </a:rPr>
+              <a:t>pandas_datareader</a:t>
+            </a:r>
+            <a:endParaRPr kumimoji="0" lang="ru-RU" altLang="ru-RU" sz="1800" b="0" i="0" u="none" strike="noStrike" cap="none" normalizeH="0" baseline="0">
+              <a:ln>
+                <a:noFill/>
+              </a:ln>
+              <a:solidFill>
+                <a:schemeClr val="tx1"/>
+              </a:solidFill>
+              <a:effectLst/>
+              <a:latin typeface="Arial" panose="020B0604020202020204" pitchFamily="34" charset="0"/>
+            </a:endParaRPr>
+          </a:p>
+        </p:txBody>
+      </p:sp>
+      <p:sp>
+        <p:nvSpPr>
+          <p:cNvPr id="5" name="Rectangle 2">
+            <a:extLst>
+              <a:ext uri="{FF2B5EF4-FFF2-40B4-BE49-F238E27FC236}">
+                <a16:creationId xmlns:a16="http://schemas.microsoft.com/office/drawing/2014/main" id="{F490F717-3A0C-4E8A-94D4-DDC13655745C}"/>
+              </a:ext>
+            </a:extLst>
+          </p:cNvPr>
+          <p:cNvSpPr>
+            <a:spLocks noChangeArrowheads="1"/>
+          </p:cNvSpPr>
+          <p:nvPr/>
+        </p:nvSpPr>
+        <p:spPr bwMode="auto">
+          <a:xfrm>
+            <a:off x="152400" y="152400"/>
+            <a:ext cx="12192000" cy="457200"/>
+          </a:xfrm>
+          <a:prstGeom prst="rect">
+            <a:avLst/>
+          </a:prstGeom>
+          <a:solidFill>
+            <a:srgbClr val="FFFFFF"/>
+          </a:solidFill>
+          <a:ln>
+            <a:noFill/>
+          </a:ln>
+          <a:effectLst/>
+          <a:extLst>
+            <a:ext uri="{91240B29-F687-4F45-9708-019B960494DF}">
+              <a14:hiddenLine xmlns:a14="http://schemas.microsoft.com/office/drawing/2010/main" w="9525">
+                <a:solidFill>
+                  <a:schemeClr val="tx1"/>
+                </a:solidFill>
+                <a:miter lim="800000"/>
+                <a:headEnd/>
+                <a:tailEnd/>
+              </a14:hiddenLine>
+            </a:ext>
+            <a:ext uri="{AF507438-7753-43E0-B8FC-AC1667EBCBE1}">
+              <a14:hiddenEffects xmlns:a14="http://schemas.microsoft.com/office/drawing/2010/main">
+                <a:effectLst>
+                  <a:outerShdw dist="35921" dir="2700000" algn="ctr" rotWithShape="0">
+                    <a:schemeClr val="bg2"/>
+                  </a:outerShdw>
+                </a:effectLst>
+              </a14:hiddenEffects>
+            </a:ext>
+          </a:extLst>
+        </p:spPr>
+        <p:txBody>
+          <a:bodyPr vert="horz" wrap="none" lIns="91440" tIns="45720" rIns="91440" bIns="45720" numCol="1" anchor="ctr" anchorCtr="0" compatLnSpc="1">
+            <a:prstTxWarp prst="textNoShape">
+              <a:avLst/>
+            </a:prstTxWarp>
+            <a:spAutoFit/>
+          </a:bodyPr>
+          <a:lstStyle/>
+          <a:p>
+            <a:pPr marL="0" marR="0" lvl="0" indent="0" algn="l" defTabSz="914400" rtl="0" eaLnBrk="0" fontAlgn="base" latinLnBrk="0" hangingPunct="0">
+              <a:lnSpc>
+                <a:spcPct val="100000"/>
+              </a:lnSpc>
+              <a:spcBef>
+                <a:spcPct val="0"/>
+              </a:spcBef>
+              <a:spcAft>
+                <a:spcPct val="0"/>
+              </a:spcAft>
+              <a:buClrTx/>
+              <a:buSzTx/>
+              <a:buFontTx/>
+              <a:buNone/>
+              <a:tabLst/>
+            </a:pPr>
+            <a:r>
+              <a:rPr kumimoji="0" lang="ru-RU" altLang="ru-RU" sz="1000" b="0" i="0" u="none" strike="noStrike" cap="none" normalizeH="0" baseline="0">
+                <a:ln>
+                  <a:noFill/>
+                </a:ln>
+                <a:solidFill>
+                  <a:srgbClr val="000000"/>
+                </a:solidFill>
+                <a:effectLst/>
+                <a:latin typeface="Consolas" panose="020B0609020204030204" pitchFamily="49" charset="0"/>
+              </a:rPr>
+              <a:t>pandas_datareader</a:t>
+            </a:r>
+            <a:endParaRPr kumimoji="0" lang="ru-RU" altLang="ru-RU" sz="1800" b="0" i="0" u="none" strike="noStrike" cap="none" normalizeH="0" baseline="0">
+              <a:ln>
+                <a:noFill/>
+              </a:ln>
+              <a:solidFill>
+                <a:schemeClr val="tx1"/>
+              </a:solidFill>
+              <a:effectLst/>
+              <a:latin typeface="Arial" panose="020B0604020202020204" pitchFamily="34" charset="0"/>
+            </a:endParaRPr>
+          </a:p>
+        </p:txBody>
+      </p:sp>
+      <p:sp>
+        <p:nvSpPr>
+          <p:cNvPr id="6" name="Rectangle 3">
+            <a:extLst>
+              <a:ext uri="{FF2B5EF4-FFF2-40B4-BE49-F238E27FC236}">
+                <a16:creationId xmlns:a16="http://schemas.microsoft.com/office/drawing/2014/main" id="{BBBA8B74-A9D2-4A09-A1BB-49A1DA9159DD}"/>
+              </a:ext>
+            </a:extLst>
+          </p:cNvPr>
+          <p:cNvSpPr>
+            <a:spLocks noChangeArrowheads="1"/>
+          </p:cNvSpPr>
+          <p:nvPr/>
+        </p:nvSpPr>
+        <p:spPr bwMode="auto">
+          <a:xfrm>
+            <a:off x="304800" y="304800"/>
+            <a:ext cx="12192000" cy="457200"/>
+          </a:xfrm>
+          <a:prstGeom prst="rect">
+            <a:avLst/>
+          </a:prstGeom>
+          <a:solidFill>
+            <a:srgbClr val="FFFFFF"/>
+          </a:solidFill>
+          <a:ln>
+            <a:noFill/>
+          </a:ln>
+          <a:effectLst/>
+          <a:extLst>
+            <a:ext uri="{91240B29-F687-4F45-9708-019B960494DF}">
+              <a14:hiddenLine xmlns:a14="http://schemas.microsoft.com/office/drawing/2010/main" w="9525">
+                <a:solidFill>
+                  <a:schemeClr val="tx1"/>
+                </a:solidFill>
+                <a:miter lim="800000"/>
+                <a:headEnd/>
+                <a:tailEnd/>
+              </a14:hiddenLine>
+            </a:ext>
+            <a:ext uri="{AF507438-7753-43E0-B8FC-AC1667EBCBE1}">
+              <a14:hiddenEffects xmlns:a14="http://schemas.microsoft.com/office/drawing/2010/main">
+                <a:effectLst>
+                  <a:outerShdw dist="35921" dir="2700000" algn="ctr" rotWithShape="0">
+                    <a:schemeClr val="bg2"/>
+                  </a:outerShdw>
+                </a:effectLst>
+              </a14:hiddenEffects>
+            </a:ext>
+          </a:extLst>
+        </p:spPr>
+        <p:txBody>
+          <a:bodyPr vert="horz" wrap="none" lIns="91440" tIns="45720" rIns="91440" bIns="45720" numCol="1" anchor="ctr" anchorCtr="0" compatLnSpc="1">
+            <a:prstTxWarp prst="textNoShape">
+              <a:avLst/>
+            </a:prstTxWarp>
+            <a:spAutoFit/>
+          </a:bodyPr>
+          <a:lstStyle/>
+          <a:p>
+            <a:pPr marL="0" marR="0" lvl="0" indent="0" algn="l" defTabSz="914400" rtl="0" eaLnBrk="0" fontAlgn="base" latinLnBrk="0" hangingPunct="0">
+              <a:lnSpc>
+                <a:spcPct val="100000"/>
+              </a:lnSpc>
+              <a:spcBef>
+                <a:spcPct val="0"/>
+              </a:spcBef>
+              <a:spcAft>
+                <a:spcPct val="0"/>
+              </a:spcAft>
+              <a:buClrTx/>
+              <a:buSzTx/>
+              <a:buFontTx/>
+              <a:buNone/>
+              <a:tabLst/>
+            </a:pPr>
+            <a:r>
+              <a:rPr kumimoji="0" lang="ru-RU" altLang="ru-RU" sz="1000" b="0" i="0" u="none" strike="noStrike" cap="none" normalizeH="0" baseline="0">
+                <a:ln>
+                  <a:noFill/>
+                </a:ln>
+                <a:solidFill>
+                  <a:srgbClr val="000000"/>
+                </a:solidFill>
+                <a:effectLst/>
+                <a:latin typeface="Consolas" panose="020B0609020204030204" pitchFamily="49" charset="0"/>
+              </a:rPr>
+              <a:t>pandas_datareader</a:t>
+            </a:r>
+            <a:endParaRPr kumimoji="0" lang="ru-RU" altLang="ru-RU" sz="1800" b="0" i="0" u="none" strike="noStrike" cap="none" normalizeH="0" baseline="0">
+              <a:ln>
+                <a:noFill/>
+              </a:ln>
+              <a:solidFill>
+                <a:schemeClr val="tx1"/>
+              </a:solidFill>
+              <a:effectLst/>
+              <a:latin typeface="Arial" panose="020B0604020202020204" pitchFamily="34" charset="0"/>
+            </a:endParaRPr>
+          </a:p>
+        </p:txBody>
+      </p:sp>
+    </p:spTree>
+    <p:extLst>
+      <p:ext uri="{BB962C8B-B14F-4D97-AF65-F5344CB8AC3E}">
+        <p14:creationId xmlns:p14="http://schemas.microsoft.com/office/powerpoint/2010/main" val="1016011053"/>
       </p:ext>
     </p:extLst>
   </p:cSld>

--- a/Подготовка к практическим работам.pptx
+++ b/Подготовка к практическим работам.pptx
@@ -10454,13 +10454,8 @@
           <a:p>
             <a:r>
               <a:rPr lang="ru-RU" dirty="0"/>
-              <a:t>Время доступа к данным может </a:t>
-            </a:r>
-            <a:r>
-              <a:rPr lang="ru-RU"/>
-              <a:t>быть значительным (3-5 минут)</a:t>
-            </a:r>
-            <a:endParaRPr lang="ru-RU" dirty="0"/>
+              <a:t>Время доступа к данным может быть значительным (3-5 минут)</a:t>
+            </a:r>
           </a:p>
         </p:txBody>
       </p:sp>

--- a/Подготовка к практическим работам.pptx
+++ b/Подготовка к практическим работам.pptx
@@ -364,7 +364,7 @@
           <a:p>
             <a:fld id="{9AB3A824-1A51-4B26-AD58-A6D8E14F6C04}" type="datetimeFigureOut">
               <a:rPr lang="en-US" dirty="0"/>
-              <a:t>10/27/2019</a:t>
+              <a:t>11/10/2019</a:t>
             </a:fld>
             <a:endParaRPr lang="en-US" dirty="0"/>
           </a:p>
@@ -808,7 +808,7 @@
           <a:p>
             <a:fld id="{B16C4C9A-3960-41CF-A4E9-2A8FB932454B}" type="datetimeFigureOut">
               <a:rPr lang="en-US" dirty="0"/>
-              <a:t>10/27/2019</a:t>
+              <a:t>11/10/2019</a:t>
             </a:fld>
             <a:endParaRPr lang="en-US" dirty="0"/>
           </a:p>
@@ -1101,7 +1101,7 @@
           <a:p>
             <a:fld id="{D857E33E-8B18-4087-B112-809917729534}" type="datetimeFigureOut">
               <a:rPr lang="en-US" dirty="0"/>
-              <a:t>10/27/2019</a:t>
+              <a:t>11/10/2019</a:t>
             </a:fld>
             <a:endParaRPr lang="en-US" dirty="0"/>
           </a:p>
@@ -1403,7 +1403,7 @@
           <a:p>
             <a:fld id="{D3FFE419-2371-464F-8239-3959401C3561}" type="datetimeFigureOut">
               <a:rPr lang="en-US" dirty="0"/>
-              <a:t>10/27/2019</a:t>
+              <a:t>11/10/2019</a:t>
             </a:fld>
             <a:endParaRPr lang="en-US" dirty="0"/>
           </a:p>
@@ -1650,7 +1650,7 @@
           <a:p>
             <a:fld id="{97D162C4-EDD9-4389-A98B-B87ECEA2A816}" type="datetimeFigureOut">
               <a:rPr lang="en-US" dirty="0"/>
-              <a:t>10/27/2019</a:t>
+              <a:t>11/10/2019</a:t>
             </a:fld>
             <a:endParaRPr lang="en-US" dirty="0"/>
           </a:p>
@@ -1943,7 +1943,7 @@
           <a:p>
             <a:fld id="{97D162C4-EDD9-4389-A98B-B87ECEA2A816}" type="datetimeFigureOut">
               <a:rPr lang="en-US" dirty="0"/>
-              <a:t>10/27/2019</a:t>
+              <a:t>11/10/2019</a:t>
             </a:fld>
             <a:endParaRPr lang="en-US" dirty="0"/>
           </a:p>
@@ -2418,7 +2418,7 @@
           <a:p>
             <a:fld id="{3E5059C3-6A89-4494-99FF-5A4D6FFD50EB}" type="datetimeFigureOut">
               <a:rPr lang="en-US" dirty="0"/>
-              <a:t>10/27/2019</a:t>
+              <a:t>11/10/2019</a:t>
             </a:fld>
             <a:endParaRPr lang="en-US" dirty="0"/>
           </a:p>
@@ -2732,7 +2732,7 @@
           <a:p>
             <a:fld id="{CA954B2F-12DE-47F5-8894-472B206D2E1E}" type="datetimeFigureOut">
               <a:rPr lang="en-US" dirty="0"/>
-              <a:t>10/27/2019</a:t>
+              <a:t>11/10/2019</a:t>
             </a:fld>
             <a:endParaRPr lang="en-US" dirty="0"/>
           </a:p>
@@ -3276,7 +3276,7 @@
           <a:p>
             <a:fld id="{3F30E46F-7819-4ACF-B48B-48222C2ACC88}" type="datetimeFigureOut">
               <a:rPr lang="en-US" dirty="0"/>
-              <a:t>10/27/2019</a:t>
+              <a:t>11/10/2019</a:t>
             </a:fld>
             <a:endParaRPr lang="en-US" dirty="0"/>
           </a:p>
@@ -3471,7 +3471,7 @@
           <a:p>
             <a:fld id="{1FAF3416-4057-4DAA-829D-4CA07428D088}" type="datetimeFigureOut">
               <a:rPr lang="en-US" dirty="0"/>
-              <a:t>10/27/2019</a:t>
+              <a:t>11/10/2019</a:t>
             </a:fld>
             <a:endParaRPr lang="en-US" dirty="0"/>
           </a:p>
@@ -3684,7 +3684,7 @@
           <a:p>
             <a:fld id="{921D9284-D300-4297-87F7-E791DCC15DB1}" type="datetimeFigureOut">
               <a:rPr lang="en-US" dirty="0"/>
-              <a:t>10/27/2019</a:t>
+              <a:t>11/10/2019</a:t>
             </a:fld>
             <a:endParaRPr lang="en-US" dirty="0"/>
           </a:p>
@@ -4053,7 +4053,7 @@
           <a:p>
             <a:fld id="{37D525BB-DA17-4BA0-B3C8-3AC3ABC827E6}" type="datetimeFigureOut">
               <a:rPr lang="en-US" dirty="0"/>
-              <a:t>10/27/2019</a:t>
+              <a:t>11/10/2019</a:t>
             </a:fld>
             <a:endParaRPr lang="en-US" dirty="0"/>
           </a:p>
@@ -4373,7 +4373,7 @@
           <a:p>
             <a:fld id="{3CBC1C18-307B-4F68-A007-B5B542270E8D}" type="datetimeFigureOut">
               <a:rPr lang="en-US" dirty="0"/>
-              <a:t>10/27/2019</a:t>
+              <a:t>11/10/2019</a:t>
             </a:fld>
             <a:endParaRPr lang="en-US" dirty="0"/>
           </a:p>
@@ -10461,210 +10461,6 @@
       </p:sp>
       <p:sp>
         <p:nvSpPr>
-          <p:cNvPr id="4" name="Rectangle 1">
-            <a:extLst>
-              <a:ext uri="{FF2B5EF4-FFF2-40B4-BE49-F238E27FC236}">
-                <a16:creationId xmlns:a16="http://schemas.microsoft.com/office/drawing/2014/main" id="{7D90DBA2-5A35-4B28-83D3-E72223591043}"/>
-              </a:ext>
-            </a:extLst>
-          </p:cNvPr>
-          <p:cNvSpPr>
-            <a:spLocks noChangeArrowheads="1"/>
-          </p:cNvSpPr>
-          <p:nvPr/>
-        </p:nvSpPr>
-        <p:spPr bwMode="auto">
-          <a:xfrm>
-            <a:off x="0" y="0"/>
-            <a:ext cx="12192000" cy="457200"/>
-          </a:xfrm>
-          <a:prstGeom prst="rect">
-            <a:avLst/>
-          </a:prstGeom>
-          <a:solidFill>
-            <a:srgbClr val="FFFFFF"/>
-          </a:solidFill>
-          <a:ln>
-            <a:noFill/>
-          </a:ln>
-          <a:effectLst/>
-          <a:extLst>
-            <a:ext uri="{91240B29-F687-4F45-9708-019B960494DF}">
-              <a14:hiddenLine xmlns:a14="http://schemas.microsoft.com/office/drawing/2010/main" w="9525">
-                <a:solidFill>
-                  <a:schemeClr val="tx1"/>
-                </a:solidFill>
-                <a:miter lim="800000"/>
-                <a:headEnd/>
-                <a:tailEnd/>
-              </a14:hiddenLine>
-            </a:ext>
-            <a:ext uri="{AF507438-7753-43E0-B8FC-AC1667EBCBE1}">
-              <a14:hiddenEffects xmlns:a14="http://schemas.microsoft.com/office/drawing/2010/main">
-                <a:effectLst>
-                  <a:outerShdw dist="35921" dir="2700000" algn="ctr" rotWithShape="0">
-                    <a:schemeClr val="bg2"/>
-                  </a:outerShdw>
-                </a:effectLst>
-              </a14:hiddenEffects>
-            </a:ext>
-          </a:extLst>
-        </p:spPr>
-        <p:txBody>
-          <a:bodyPr vert="horz" wrap="none" lIns="91440" tIns="45720" rIns="91440" bIns="45720" numCol="1" anchor="ctr" anchorCtr="0" compatLnSpc="1">
-            <a:prstTxWarp prst="textNoShape">
-              <a:avLst/>
-            </a:prstTxWarp>
-            <a:spAutoFit/>
-          </a:bodyPr>
-          <a:lstStyle/>
-          <a:p>
-            <a:pPr marL="0" marR="0" lvl="0" indent="0" algn="l" defTabSz="914400" rtl="0" eaLnBrk="0" fontAlgn="base" latinLnBrk="0" hangingPunct="0">
-              <a:lnSpc>
-                <a:spcPct val="100000"/>
-              </a:lnSpc>
-              <a:spcBef>
-                <a:spcPct val="0"/>
-              </a:spcBef>
-              <a:spcAft>
-                <a:spcPct val="0"/>
-              </a:spcAft>
-              <a:buClrTx/>
-              <a:buSzTx/>
-              <a:buFontTx/>
-              <a:buNone/>
-              <a:tabLst/>
-            </a:pPr>
-            <a:r>
-              <a:rPr kumimoji="0" lang="ru-RU" altLang="ru-RU" sz="1000" b="0" i="0" u="none" strike="noStrike" cap="none" normalizeH="0" baseline="0">
-                <a:ln>
-                  <a:noFill/>
-                </a:ln>
-                <a:solidFill>
-                  <a:srgbClr val="000000"/>
-                </a:solidFill>
-                <a:effectLst/>
-                <a:latin typeface="Consolas" panose="020B0609020204030204" pitchFamily="49" charset="0"/>
-              </a:rPr>
-              <a:t>pandas_datareader</a:t>
-            </a:r>
-            <a:endParaRPr kumimoji="0" lang="ru-RU" altLang="ru-RU" sz="1800" b="0" i="0" u="none" strike="noStrike" cap="none" normalizeH="0" baseline="0">
-              <a:ln>
-                <a:noFill/>
-              </a:ln>
-              <a:solidFill>
-                <a:schemeClr val="tx1"/>
-              </a:solidFill>
-              <a:effectLst/>
-              <a:latin typeface="Arial" panose="020B0604020202020204" pitchFamily="34" charset="0"/>
-            </a:endParaRPr>
-          </a:p>
-        </p:txBody>
-      </p:sp>
-      <p:sp>
-        <p:nvSpPr>
-          <p:cNvPr id="5" name="Rectangle 2">
-            <a:extLst>
-              <a:ext uri="{FF2B5EF4-FFF2-40B4-BE49-F238E27FC236}">
-                <a16:creationId xmlns:a16="http://schemas.microsoft.com/office/drawing/2014/main" id="{F490F717-3A0C-4E8A-94D4-DDC13655745C}"/>
-              </a:ext>
-            </a:extLst>
-          </p:cNvPr>
-          <p:cNvSpPr>
-            <a:spLocks noChangeArrowheads="1"/>
-          </p:cNvSpPr>
-          <p:nvPr/>
-        </p:nvSpPr>
-        <p:spPr bwMode="auto">
-          <a:xfrm>
-            <a:off x="152400" y="152400"/>
-            <a:ext cx="12192000" cy="457200"/>
-          </a:xfrm>
-          <a:prstGeom prst="rect">
-            <a:avLst/>
-          </a:prstGeom>
-          <a:solidFill>
-            <a:srgbClr val="FFFFFF"/>
-          </a:solidFill>
-          <a:ln>
-            <a:noFill/>
-          </a:ln>
-          <a:effectLst/>
-          <a:extLst>
-            <a:ext uri="{91240B29-F687-4F45-9708-019B960494DF}">
-              <a14:hiddenLine xmlns:a14="http://schemas.microsoft.com/office/drawing/2010/main" w="9525">
-                <a:solidFill>
-                  <a:schemeClr val="tx1"/>
-                </a:solidFill>
-                <a:miter lim="800000"/>
-                <a:headEnd/>
-                <a:tailEnd/>
-              </a14:hiddenLine>
-            </a:ext>
-            <a:ext uri="{AF507438-7753-43E0-B8FC-AC1667EBCBE1}">
-              <a14:hiddenEffects xmlns:a14="http://schemas.microsoft.com/office/drawing/2010/main">
-                <a:effectLst>
-                  <a:outerShdw dist="35921" dir="2700000" algn="ctr" rotWithShape="0">
-                    <a:schemeClr val="bg2"/>
-                  </a:outerShdw>
-                </a:effectLst>
-              </a14:hiddenEffects>
-            </a:ext>
-          </a:extLst>
-        </p:spPr>
-        <p:txBody>
-          <a:bodyPr vert="horz" wrap="none" lIns="91440" tIns="45720" rIns="91440" bIns="45720" numCol="1" anchor="ctr" anchorCtr="0" compatLnSpc="1">
-            <a:prstTxWarp prst="textNoShape">
-              <a:avLst/>
-            </a:prstTxWarp>
-            <a:spAutoFit/>
-          </a:bodyPr>
-          <a:lstStyle/>
-          <a:p>
-            <a:pPr marL="0" marR="0" lvl="0" indent="0" algn="l" defTabSz="914400" rtl="0" eaLnBrk="0" fontAlgn="base" latinLnBrk="0" hangingPunct="0">
-              <a:lnSpc>
-                <a:spcPct val="100000"/>
-              </a:lnSpc>
-              <a:spcBef>
-                <a:spcPct val="0"/>
-              </a:spcBef>
-              <a:spcAft>
-                <a:spcPct val="0"/>
-              </a:spcAft>
-              <a:buClrTx/>
-              <a:buSzTx/>
-              <a:buFontTx/>
-              <a:buNone/>
-              <a:tabLst/>
-            </a:pPr>
-            <a:r>
-              <a:rPr kumimoji="0" lang="ru-RU" altLang="ru-RU" sz="1000" b="0" i="0" u="none" strike="noStrike" cap="none" normalizeH="0" baseline="0">
-                <a:ln>
-                  <a:noFill/>
-                </a:ln>
-                <a:solidFill>
-                  <a:srgbClr val="000000"/>
-                </a:solidFill>
-                <a:effectLst/>
-                <a:latin typeface="Consolas" panose="020B0609020204030204" pitchFamily="49" charset="0"/>
-              </a:rPr>
-              <a:t>pandas_datareader</a:t>
-            </a:r>
-            <a:endParaRPr kumimoji="0" lang="ru-RU" altLang="ru-RU" sz="1800" b="0" i="0" u="none" strike="noStrike" cap="none" normalizeH="0" baseline="0">
-              <a:ln>
-                <a:noFill/>
-              </a:ln>
-              <a:solidFill>
-                <a:schemeClr val="tx1"/>
-              </a:solidFill>
-              <a:effectLst/>
-              <a:latin typeface="Arial" panose="020B0604020202020204" pitchFamily="34" charset="0"/>
-            </a:endParaRPr>
-          </a:p>
-        </p:txBody>
-      </p:sp>
-      <p:sp>
-        <p:nvSpPr>
           <p:cNvPr id="6" name="Rectangle 3">
             <a:extLst>
               <a:ext uri="{FF2B5EF4-FFF2-40B4-BE49-F238E27FC236}">
@@ -10679,7 +10475,7 @@
         </p:nvSpPr>
         <p:spPr bwMode="auto">
           <a:xfrm>
-            <a:off x="304800" y="304800"/>
+            <a:off x="0" y="835997"/>
             <a:ext cx="12192000" cy="457200"/>
           </a:xfrm>
           <a:prstGeom prst="rect">
